--- a/database/slides/GOD_REST_YE_MERRY_GENTLEMEN.pptx
+++ b/database/slides/GOD_REST_YE_MERRY_GENTLEMEN.pptx
@@ -16111,7 +16111,13 @@
       </p:sp>
       <p:sp>
         <p:nvSpPr>
-          <p:cNvPr id="131" name="Google Shape;131;p25"/>
+          <p:cNvPr id="2" name="Google Shape;131;p25">
+            <a:extLst>
+              <a:ext uri="{FF2B5EF4-FFF2-40B4-BE49-F238E27FC236}">
+                <a16:creationId xmlns:a16="http://schemas.microsoft.com/office/drawing/2014/main" id="{1BC5C366-1745-E1A7-3B80-5453B95DA913}"/>
+              </a:ext>
+            </a:extLst>
+          </p:cNvPr>
           <p:cNvSpPr txBox="1"/>
           <p:nvPr/>
         </p:nvSpPr>
@@ -16134,11 +16140,19 @@
           </a:bodyPr>
           <a:lstStyle/>
           <a:p>
-            <a:pPr>
+            <a:pPr marL="0" lvl="0" indent="0" algn="l" rtl="0">
+              <a:spcBef>
+                <a:spcPts val="0"/>
+              </a:spcBef>
+              <a:spcAft>
+                <a:spcPts val="0"/>
+              </a:spcAft>
               <a:buClr>
                 <a:schemeClr val="lt1"/>
               </a:buClr>
               <a:buSzPts val="3200"/>
+              <a:buFont typeface="Arial"/>
+              <a:buNone/>
             </a:pPr>
             <a:r>
               <a:rPr lang="en-GB" sz="3600" b="1" i="1" dirty="0">
@@ -16152,7 +16166,7 @@
               </a:rPr>
               <a:t>contd..</a:t>
             </a:r>
-            <a:endParaRPr lang="en-GB" sz="3600" dirty="0">
+            <a:endParaRPr sz="3600" dirty="0">
               <a:latin typeface="Calibri"/>
               <a:ea typeface="Calibri"/>
               <a:cs typeface="Calibri"/>
@@ -16523,10 +16537,10 @@
       </p:sp>
       <p:sp>
         <p:nvSpPr>
-          <p:cNvPr id="131" name="Google Shape;131;p25">
+          <p:cNvPr id="2" name="Google Shape;131;p25">
             <a:extLst>
               <a:ext uri="{FF2B5EF4-FFF2-40B4-BE49-F238E27FC236}">
-                <a16:creationId xmlns:a16="http://schemas.microsoft.com/office/drawing/2014/main" id="{D6F4449D-8CAF-72AD-D3CD-9AEF7247B5D8}"/>
+                <a16:creationId xmlns:a16="http://schemas.microsoft.com/office/drawing/2014/main" id="{00B35FD8-E71B-9B88-8596-93A5C11053E3}"/>
               </a:ext>
             </a:extLst>
           </p:cNvPr>
@@ -16552,11 +16566,19 @@
           </a:bodyPr>
           <a:lstStyle/>
           <a:p>
-            <a:pPr>
+            <a:pPr marL="0" lvl="0" indent="0" algn="l" rtl="0">
+              <a:spcBef>
+                <a:spcPts val="0"/>
+              </a:spcBef>
+              <a:spcAft>
+                <a:spcPts val="0"/>
+              </a:spcAft>
               <a:buClr>
                 <a:schemeClr val="lt1"/>
               </a:buClr>
               <a:buSzPts val="3200"/>
+              <a:buFont typeface="Arial"/>
+              <a:buNone/>
             </a:pPr>
             <a:r>
               <a:rPr lang="en-GB" sz="3600" b="1" i="1" dirty="0">
@@ -16570,7 +16592,7 @@
               </a:rPr>
               <a:t>contd..</a:t>
             </a:r>
-            <a:endParaRPr lang="en-GB" sz="3600" dirty="0">
+            <a:endParaRPr sz="3600" dirty="0">
               <a:latin typeface="Calibri"/>
               <a:ea typeface="Calibri"/>
               <a:cs typeface="Calibri"/>
@@ -16941,10 +16963,10 @@
       </p:sp>
       <p:sp>
         <p:nvSpPr>
-          <p:cNvPr id="131" name="Google Shape;131;p25">
+          <p:cNvPr id="2" name="Google Shape;131;p25">
             <a:extLst>
               <a:ext uri="{FF2B5EF4-FFF2-40B4-BE49-F238E27FC236}">
-                <a16:creationId xmlns:a16="http://schemas.microsoft.com/office/drawing/2014/main" id="{E3B59F43-8848-C285-E659-2BB3B0A6FB75}"/>
+                <a16:creationId xmlns:a16="http://schemas.microsoft.com/office/drawing/2014/main" id="{23021F81-0DF1-6AC8-4951-B33F8F022EAD}"/>
               </a:ext>
             </a:extLst>
           </p:cNvPr>
@@ -16970,11 +16992,19 @@
           </a:bodyPr>
           <a:lstStyle/>
           <a:p>
-            <a:pPr>
+            <a:pPr marL="0" lvl="0" indent="0" algn="l" rtl="0">
+              <a:spcBef>
+                <a:spcPts val="0"/>
+              </a:spcBef>
+              <a:spcAft>
+                <a:spcPts val="0"/>
+              </a:spcAft>
               <a:buClr>
                 <a:schemeClr val="lt1"/>
               </a:buClr>
               <a:buSzPts val="3200"/>
+              <a:buFont typeface="Arial"/>
+              <a:buNone/>
             </a:pPr>
             <a:r>
               <a:rPr lang="en-GB" sz="3600" b="1" i="1" dirty="0">
@@ -16988,7 +17018,7 @@
               </a:rPr>
               <a:t>contd..</a:t>
             </a:r>
-            <a:endParaRPr lang="en-GB" sz="3600" dirty="0">
+            <a:endParaRPr sz="3600" dirty="0">
               <a:latin typeface="Calibri"/>
               <a:ea typeface="Calibri"/>
               <a:cs typeface="Calibri"/>
